--- a/hafta_6.pptx
+++ b/hafta_6.pptx
@@ -9757,7 +9757,7 @@
           <a:p>
             <a:fld id="{2F3ED178-9539-4CD0-B68C-585699AA6A23}" type="datetimeFigureOut">
               <a:rPr lang="tr-TR" smtClean="0"/>
-              <a:t>16.11.2022</a:t>
+              <a:t>23.11.2022</a:t>
             </a:fld>
             <a:endParaRPr lang="tr-TR"/>
           </a:p>
@@ -9957,7 +9957,7 @@
           <a:p>
             <a:fld id="{2F3ED178-9539-4CD0-B68C-585699AA6A23}" type="datetimeFigureOut">
               <a:rPr lang="tr-TR" smtClean="0"/>
-              <a:t>16.11.2022</a:t>
+              <a:t>23.11.2022</a:t>
             </a:fld>
             <a:endParaRPr lang="tr-TR"/>
           </a:p>
@@ -10167,7 +10167,7 @@
           <a:p>
             <a:fld id="{2F3ED178-9539-4CD0-B68C-585699AA6A23}" type="datetimeFigureOut">
               <a:rPr lang="tr-TR" smtClean="0"/>
-              <a:t>16.11.2022</a:t>
+              <a:t>23.11.2022</a:t>
             </a:fld>
             <a:endParaRPr lang="tr-TR"/>
           </a:p>
@@ -10367,7 +10367,7 @@
           <a:p>
             <a:fld id="{2F3ED178-9539-4CD0-B68C-585699AA6A23}" type="datetimeFigureOut">
               <a:rPr lang="tr-TR" smtClean="0"/>
-              <a:t>16.11.2022</a:t>
+              <a:t>23.11.2022</a:t>
             </a:fld>
             <a:endParaRPr lang="tr-TR"/>
           </a:p>
@@ -10643,7 +10643,7 @@
           <a:p>
             <a:fld id="{2F3ED178-9539-4CD0-B68C-585699AA6A23}" type="datetimeFigureOut">
               <a:rPr lang="tr-TR" smtClean="0"/>
-              <a:t>16.11.2022</a:t>
+              <a:t>23.11.2022</a:t>
             </a:fld>
             <a:endParaRPr lang="tr-TR"/>
           </a:p>
@@ -10911,7 +10911,7 @@
           <a:p>
             <a:fld id="{2F3ED178-9539-4CD0-B68C-585699AA6A23}" type="datetimeFigureOut">
               <a:rPr lang="tr-TR" smtClean="0"/>
-              <a:t>16.11.2022</a:t>
+              <a:t>23.11.2022</a:t>
             </a:fld>
             <a:endParaRPr lang="tr-TR"/>
           </a:p>
@@ -11326,7 +11326,7 @@
           <a:p>
             <a:fld id="{2F3ED178-9539-4CD0-B68C-585699AA6A23}" type="datetimeFigureOut">
               <a:rPr lang="tr-TR" smtClean="0"/>
-              <a:t>16.11.2022</a:t>
+              <a:t>23.11.2022</a:t>
             </a:fld>
             <a:endParaRPr lang="tr-TR"/>
           </a:p>
@@ -11468,7 +11468,7 @@
           <a:p>
             <a:fld id="{2F3ED178-9539-4CD0-B68C-585699AA6A23}" type="datetimeFigureOut">
               <a:rPr lang="tr-TR" smtClean="0"/>
-              <a:t>16.11.2022</a:t>
+              <a:t>23.11.2022</a:t>
             </a:fld>
             <a:endParaRPr lang="tr-TR"/>
           </a:p>
@@ -11581,7 +11581,7 @@
           <a:p>
             <a:fld id="{2F3ED178-9539-4CD0-B68C-585699AA6A23}" type="datetimeFigureOut">
               <a:rPr lang="tr-TR" smtClean="0"/>
-              <a:t>16.11.2022</a:t>
+              <a:t>23.11.2022</a:t>
             </a:fld>
             <a:endParaRPr lang="tr-TR"/>
           </a:p>
@@ -11894,7 +11894,7 @@
           <a:p>
             <a:fld id="{2F3ED178-9539-4CD0-B68C-585699AA6A23}" type="datetimeFigureOut">
               <a:rPr lang="tr-TR" smtClean="0"/>
-              <a:t>16.11.2022</a:t>
+              <a:t>23.11.2022</a:t>
             </a:fld>
             <a:endParaRPr lang="tr-TR"/>
           </a:p>
@@ -12183,7 +12183,7 @@
           <a:p>
             <a:fld id="{2F3ED178-9539-4CD0-B68C-585699AA6A23}" type="datetimeFigureOut">
               <a:rPr lang="tr-TR" smtClean="0"/>
-              <a:t>16.11.2022</a:t>
+              <a:t>23.11.2022</a:t>
             </a:fld>
             <a:endParaRPr lang="tr-TR"/>
           </a:p>
@@ -12426,7 +12426,7 @@
           <a:p>
             <a:fld id="{2F3ED178-9539-4CD0-B68C-585699AA6A23}" type="datetimeFigureOut">
               <a:rPr lang="tr-TR" smtClean="0"/>
-              <a:t>16.11.2022</a:t>
+              <a:t>23.11.2022</a:t>
             </a:fld>
             <a:endParaRPr lang="tr-TR"/>
           </a:p>
